--- a/schema.pptx
+++ b/schema.pptx
@@ -104,6 +104,11 @@
       </a:defRPr>
     </a:lvl9pPr>
   </p:defaultTextStyle>
+  <p:extLst>
+    <p:ext uri="{EFAFB233-063F-42B5-8137-9DF3F51BA10A}">
+      <p15:sldGuideLst xmlns:p15="http://schemas.microsoft.com/office/powerpoint/2012/main"/>
+    </p:ext>
+  </p:extLst>
 </p:presentation>
 </file>
 
@@ -5269,7 +5274,7 @@
         </p:blipFill>
         <p:spPr bwMode="auto">
           <a:xfrm>
-            <a:off x="8512514" y="2150005"/>
+            <a:off x="8480571" y="2092429"/>
             <a:ext cx="735430" cy="733966"/>
           </a:xfrm>
           <a:prstGeom prst="rect">
@@ -5393,6 +5398,82 @@
               <a:t>hashcode</a:t>
             </a:r>
             <a:endParaRPr lang="it-IT" dirty="0"/>
+          </a:p>
+        </p:txBody>
+      </p:sp>
+      <p:cxnSp>
+        <p:nvCxnSpPr>
+          <p:cNvPr id="51" name="Connettore 2 50">
+            <a:extLst>
+              <a:ext uri="{FF2B5EF4-FFF2-40B4-BE49-F238E27FC236}">
+                <a16:creationId xmlns:a16="http://schemas.microsoft.com/office/drawing/2014/main" id="{9B68C050-56E5-4E3D-ACCD-29BBBBFBB664}"/>
+              </a:ext>
+            </a:extLst>
+          </p:cNvPr>
+          <p:cNvCxnSpPr>
+            <a:cxnSpLocks/>
+          </p:cNvCxnSpPr>
+          <p:nvPr/>
+        </p:nvCxnSpPr>
+        <p:spPr>
+          <a:xfrm flipH="1">
+            <a:off x="1091915" y="3027555"/>
+            <a:ext cx="5163616" cy="3073564"/>
+          </a:xfrm>
+          <a:prstGeom prst="straightConnector1">
+            <a:avLst/>
+          </a:prstGeom>
+          <a:ln>
+            <a:tailEnd type="triangle"/>
+          </a:ln>
+        </p:spPr>
+        <p:style>
+          <a:lnRef idx="1">
+            <a:schemeClr val="accent1"/>
+          </a:lnRef>
+          <a:fillRef idx="0">
+            <a:schemeClr val="accent1"/>
+          </a:fillRef>
+          <a:effectRef idx="0">
+            <a:schemeClr val="accent1"/>
+          </a:effectRef>
+          <a:fontRef idx="minor">
+            <a:schemeClr val="tx1"/>
+          </a:fontRef>
+        </p:style>
+      </p:cxnSp>
+      <p:sp>
+        <p:nvSpPr>
+          <p:cNvPr id="57" name="CasellaDiTesto 56">
+            <a:extLst>
+              <a:ext uri="{FF2B5EF4-FFF2-40B4-BE49-F238E27FC236}">
+                <a16:creationId xmlns:a16="http://schemas.microsoft.com/office/drawing/2014/main" id="{33A8D88F-C8E9-4C1D-87CD-E6BF6856ADF1}"/>
+              </a:ext>
+            </a:extLst>
+          </p:cNvPr>
+          <p:cNvSpPr txBox="1"/>
+          <p:nvPr/>
+        </p:nvSpPr>
+        <p:spPr>
+          <a:xfrm>
+            <a:off x="1969140" y="3871762"/>
+            <a:ext cx="2405467" cy="369332"/>
+          </a:xfrm>
+          <a:prstGeom prst="rect">
+            <a:avLst/>
+          </a:prstGeom>
+          <a:noFill/>
+        </p:spPr>
+        <p:txBody>
+          <a:bodyPr wrap="none" rtlCol="0">
+            <a:spAutoFit/>
+          </a:bodyPr>
+          <a:lstStyle/>
+          <a:p>
+            <a:r>
+              <a:rPr lang="it-IT" dirty="0"/>
+              <a:t>READ, UPDATE, CREATE </a:t>
+            </a:r>
           </a:p>
         </p:txBody>
       </p:sp>

--- a/schema.pptx
+++ b/schema.pptx
@@ -6,6 +6,7 @@
   </p:sldMasterIdLst>
   <p:sldIdLst>
     <p:sldId id="256" r:id="rId2"/>
+    <p:sldId id="257" r:id="rId3"/>
   </p:sldIdLst>
   <p:sldSz cx="21599525" cy="10799763"/>
   <p:notesSz cx="6858000" cy="9144000"/>
@@ -5490,6 +5491,136 @@
 </p:sld>
 </file>
 
+<file path=ppt/slides/slide2.xml><?xml version="1.0" encoding="utf-8"?>
+<p:sld xmlns:a="http://schemas.openxmlformats.org/drawingml/2006/main" xmlns:r="http://schemas.openxmlformats.org/officeDocument/2006/relationships" xmlns:p="http://schemas.openxmlformats.org/presentationml/2006/main">
+  <p:cSld>
+    <p:spTree>
+      <p:nvGrpSpPr>
+        <p:cNvPr id="1" name=""/>
+        <p:cNvGrpSpPr/>
+        <p:nvPr/>
+      </p:nvGrpSpPr>
+      <p:grpSpPr>
+        <a:xfrm>
+          <a:off x="0" y="0"/>
+          <a:ext cx="0" cy="0"/>
+          <a:chOff x="0" y="0"/>
+          <a:chExt cx="0" cy="0"/>
+        </a:xfrm>
+      </p:grpSpPr>
+      <p:sp>
+        <p:nvSpPr>
+          <p:cNvPr id="2" name="Titolo 1">
+            <a:extLst>
+              <a:ext uri="{FF2B5EF4-FFF2-40B4-BE49-F238E27FC236}">
+                <a16:creationId xmlns:a16="http://schemas.microsoft.com/office/drawing/2014/main" id="{C45DEED5-D00B-40DD-BBD8-3CC094588CE6}"/>
+              </a:ext>
+            </a:extLst>
+          </p:cNvPr>
+          <p:cNvSpPr>
+            <a:spLocks noGrp="1"/>
+          </p:cNvSpPr>
+          <p:nvPr>
+            <p:ph type="title"/>
+          </p:nvPr>
+        </p:nvSpPr>
+        <p:spPr/>
+        <p:txBody>
+          <a:bodyPr/>
+          <a:lstStyle/>
+          <a:p>
+            <a:r>
+              <a:rPr lang="it-IT" dirty="0"/>
+              <a:t>BENTORNATO UTENTE X</a:t>
+            </a:r>
+          </a:p>
+        </p:txBody>
+      </p:sp>
+      <p:sp>
+        <p:nvSpPr>
+          <p:cNvPr id="4" name="Titolo 1">
+            <a:extLst>
+              <a:ext uri="{FF2B5EF4-FFF2-40B4-BE49-F238E27FC236}">
+                <a16:creationId xmlns:a16="http://schemas.microsoft.com/office/drawing/2014/main" id="{58BDD395-AA2E-43BA-9E93-647489C7E2EB}"/>
+              </a:ext>
+            </a:extLst>
+          </p:cNvPr>
+          <p:cNvSpPr txBox="1">
+            <a:spLocks/>
+          </p:cNvSpPr>
+          <p:nvPr/>
+        </p:nvSpPr>
+        <p:spPr>
+          <a:xfrm>
+            <a:off x="321186" y="2662443"/>
+            <a:ext cx="18629590" cy="3976254"/>
+          </a:xfrm>
+          <a:prstGeom prst="rect">
+            <a:avLst/>
+          </a:prstGeom>
+        </p:spPr>
+        <p:txBody>
+          <a:bodyPr vert="horz" lIns="91440" tIns="45720" rIns="91440" bIns="45720" rtlCol="0" anchor="ctr">
+            <a:normAutofit/>
+          </a:bodyPr>
+          <a:lstStyle>
+            <a:lvl1pPr algn="l" defTabSz="1439997" rtl="0" eaLnBrk="1" latinLnBrk="0" hangingPunct="1">
+              <a:lnSpc>
+                <a:spcPct val="90000"/>
+              </a:lnSpc>
+              <a:spcBef>
+                <a:spcPct val="0"/>
+              </a:spcBef>
+              <a:buNone/>
+              <a:defRPr sz="6929" kern="1200">
+                <a:solidFill>
+                  <a:schemeClr val="tx1"/>
+                </a:solidFill>
+                <a:latin typeface="+mj-lt"/>
+                <a:ea typeface="+mj-ea"/>
+                <a:cs typeface="+mj-cs"/>
+              </a:defRPr>
+            </a:lvl1pPr>
+          </a:lstStyle>
+          <a:p>
+            <a:r>
+              <a:rPr lang="it-IT" dirty="0"/>
+              <a:t>	Ecco i tuoi itinerari:</a:t>
+            </a:r>
+          </a:p>
+          <a:p>
+            <a:r>
+              <a:rPr lang="it-IT" dirty="0"/>
+              <a:t>ITINERARIO 1</a:t>
+            </a:r>
+          </a:p>
+          <a:p>
+            <a:r>
+              <a:rPr lang="it-IT" dirty="0"/>
+              <a:t>ITINERARIO 2</a:t>
+            </a:r>
+          </a:p>
+          <a:p>
+            <a:r>
+              <a:rPr lang="it-IT" dirty="0"/>
+              <a:t>….</a:t>
+            </a:r>
+          </a:p>
+        </p:txBody>
+      </p:sp>
+    </p:spTree>
+    <p:extLst>
+      <p:ext uri="{BB962C8B-B14F-4D97-AF65-F5344CB8AC3E}">
+        <p14:creationId xmlns:p14="http://schemas.microsoft.com/office/powerpoint/2010/main" val="1136484608"/>
+      </p:ext>
+    </p:extLst>
+  </p:cSld>
+  <p:clrMapOvr>
+    <a:masterClrMapping/>
+  </p:clrMapOvr>
+</p:sld>
+</file>
+
 <file path=ppt/theme/theme1.xml><?xml version="1.0" encoding="utf-8"?>
 <a:theme xmlns:a="http://schemas.openxmlformats.org/drawingml/2006/main" name="Tema di Office">
   <a:themeElements>
